--- a/4.pptx
+++ b/4.pptx
@@ -14932,7 +14932,7 @@
                   <a:srgbClr val="4B649F"/>
                 </a:solidFill>
               </a:rPr>
-              <a:t>技术社区推荐</a:t>
+              <a:t>技术知识推荐</a:t>
             </a:r>
             <a:r>
               <a:rPr sz="3200" b="1" dirty="0">
